--- a/ppt 16-9/1131.儆醒.pptx
+++ b/ppt 16-9/1131.儆醒.pptx
@@ -129,7 +129,7 @@
           <p:cNvPr id="2" name="标题 1">
             <a:extLst>
               <a:ext uri="{FF2B5EF4-FFF2-40B4-BE49-F238E27FC236}">
-                <a16:creationId xmlns:a16="http://schemas.microsoft.com/office/drawing/2014/main" id="{46A3A032-392A-935E-2ED4-8DDAE08F7DC0}"/>
+                <a16:creationId xmlns:a16="http://schemas.microsoft.com/office/drawing/2014/main" id="{9F190DCE-3227-AB65-7FAA-C26836B84A30}"/>
               </a:ext>
             </a:extLst>
           </p:cNvPr>
@@ -166,7 +166,7 @@
           <p:cNvPr id="3" name="副标题 2">
             <a:extLst>
               <a:ext uri="{FF2B5EF4-FFF2-40B4-BE49-F238E27FC236}">
-                <a16:creationId xmlns:a16="http://schemas.microsoft.com/office/drawing/2014/main" id="{FED10414-E078-E71E-8599-B48B8F760804}"/>
+                <a16:creationId xmlns:a16="http://schemas.microsoft.com/office/drawing/2014/main" id="{CACCAF26-C9D6-E87E-10BA-33F49FBAAAC6}"/>
               </a:ext>
             </a:extLst>
           </p:cNvPr>
@@ -236,7 +236,7 @@
           <p:cNvPr id="4" name="日期占位符 3">
             <a:extLst>
               <a:ext uri="{FF2B5EF4-FFF2-40B4-BE49-F238E27FC236}">
-                <a16:creationId xmlns:a16="http://schemas.microsoft.com/office/drawing/2014/main" id="{C7A8049C-4A29-2ED0-3B5C-CFFA65DDE710}"/>
+                <a16:creationId xmlns:a16="http://schemas.microsoft.com/office/drawing/2014/main" id="{DC8851C8-10DB-CD13-3367-568C4481B9A7}"/>
               </a:ext>
             </a:extLst>
           </p:cNvPr>
@@ -252,7 +252,7 @@
           <a:bodyPr/>
           <a:lstStyle/>
           <a:p>
-            <a:fld id="{CAA59D74-C423-4E52-B3BF-1B0348C4C93D}" type="datetimeFigureOut">
+            <a:fld id="{EB30F6B5-42DB-4201-BFB2-21827DC9151D}" type="datetimeFigureOut">
               <a:rPr lang="zh-CN" altLang="en-US" smtClean="0"/>
               <a:t>2024/3/10</a:t>
             </a:fld>
@@ -265,7 +265,7 @@
           <p:cNvPr id="5" name="页脚占位符 4">
             <a:extLst>
               <a:ext uri="{FF2B5EF4-FFF2-40B4-BE49-F238E27FC236}">
-                <a16:creationId xmlns:a16="http://schemas.microsoft.com/office/drawing/2014/main" id="{C6E1044C-FC4C-B896-4545-92488E83AA1F}"/>
+                <a16:creationId xmlns:a16="http://schemas.microsoft.com/office/drawing/2014/main" id="{8B8D1800-70A0-BD52-BA97-F3168473E94F}"/>
               </a:ext>
             </a:extLst>
           </p:cNvPr>
@@ -290,7 +290,7 @@
           <p:cNvPr id="6" name="灯片编号占位符 5">
             <a:extLst>
               <a:ext uri="{FF2B5EF4-FFF2-40B4-BE49-F238E27FC236}">
-                <a16:creationId xmlns:a16="http://schemas.microsoft.com/office/drawing/2014/main" id="{2E057AB4-006A-68D5-7E75-1AA88DE31BF6}"/>
+                <a16:creationId xmlns:a16="http://schemas.microsoft.com/office/drawing/2014/main" id="{1C653A15-39A3-727C-BA35-CB07733E15DA}"/>
               </a:ext>
             </a:extLst>
           </p:cNvPr>
@@ -306,7 +306,7 @@
           <a:bodyPr/>
           <a:lstStyle/>
           <a:p>
-            <a:fld id="{D53B2653-68F8-48F8-9EEC-F0F54061A781}" type="slidenum">
+            <a:fld id="{7D3A4AB5-58A1-4021-A44C-13EF289C5B55}" type="slidenum">
               <a:rPr lang="zh-CN" altLang="en-US" smtClean="0"/>
               <a:t>‹#›</a:t>
             </a:fld>
@@ -317,7 +317,7 @@
     </p:spTree>
     <p:extLst>
       <p:ext uri="{BB962C8B-B14F-4D97-AF65-F5344CB8AC3E}">
-        <p14:creationId xmlns:p14="http://schemas.microsoft.com/office/powerpoint/2010/main" val="3646791052"/>
+        <p14:creationId xmlns:p14="http://schemas.microsoft.com/office/powerpoint/2010/main" val="998644516"/>
       </p:ext>
     </p:extLst>
   </p:cSld>
@@ -349,7 +349,7 @@
           <p:cNvPr id="2" name="标题 1">
             <a:extLst>
               <a:ext uri="{FF2B5EF4-FFF2-40B4-BE49-F238E27FC236}">
-                <a16:creationId xmlns:a16="http://schemas.microsoft.com/office/drawing/2014/main" id="{78379F17-876E-95A2-47F2-31DD98810A63}"/>
+                <a16:creationId xmlns:a16="http://schemas.microsoft.com/office/drawing/2014/main" id="{CB15F0D7-2589-79ED-344D-00BE042E09F5}"/>
               </a:ext>
             </a:extLst>
           </p:cNvPr>
@@ -377,7 +377,7 @@
           <p:cNvPr id="3" name="竖排文字占位符 2">
             <a:extLst>
               <a:ext uri="{FF2B5EF4-FFF2-40B4-BE49-F238E27FC236}">
-                <a16:creationId xmlns:a16="http://schemas.microsoft.com/office/drawing/2014/main" id="{5BD7CA76-F89B-EDD6-00AB-7C1523FF5007}"/>
+                <a16:creationId xmlns:a16="http://schemas.microsoft.com/office/drawing/2014/main" id="{0391AFA5-18FE-E2C2-C6CC-1411270E9A62}"/>
               </a:ext>
             </a:extLst>
           </p:cNvPr>
@@ -434,7 +434,7 @@
           <p:cNvPr id="4" name="日期占位符 3">
             <a:extLst>
               <a:ext uri="{FF2B5EF4-FFF2-40B4-BE49-F238E27FC236}">
-                <a16:creationId xmlns:a16="http://schemas.microsoft.com/office/drawing/2014/main" id="{7351DD60-452A-3E49-4CCF-924F46AC9087}"/>
+                <a16:creationId xmlns:a16="http://schemas.microsoft.com/office/drawing/2014/main" id="{B417B398-F531-A88D-8070-38F8EC889797}"/>
               </a:ext>
             </a:extLst>
           </p:cNvPr>
@@ -450,7 +450,7 @@
           <a:bodyPr/>
           <a:lstStyle/>
           <a:p>
-            <a:fld id="{CAA59D74-C423-4E52-B3BF-1B0348C4C93D}" type="datetimeFigureOut">
+            <a:fld id="{EB30F6B5-42DB-4201-BFB2-21827DC9151D}" type="datetimeFigureOut">
               <a:rPr lang="zh-CN" altLang="en-US" smtClean="0"/>
               <a:t>2024/3/10</a:t>
             </a:fld>
@@ -463,7 +463,7 @@
           <p:cNvPr id="5" name="页脚占位符 4">
             <a:extLst>
               <a:ext uri="{FF2B5EF4-FFF2-40B4-BE49-F238E27FC236}">
-                <a16:creationId xmlns:a16="http://schemas.microsoft.com/office/drawing/2014/main" id="{AA1F4406-2B74-6071-6CB2-15CF87018C52}"/>
+                <a16:creationId xmlns:a16="http://schemas.microsoft.com/office/drawing/2014/main" id="{E693F5B3-C60A-30CA-EDAD-E32D918BF893}"/>
               </a:ext>
             </a:extLst>
           </p:cNvPr>
@@ -488,7 +488,7 @@
           <p:cNvPr id="6" name="灯片编号占位符 5">
             <a:extLst>
               <a:ext uri="{FF2B5EF4-FFF2-40B4-BE49-F238E27FC236}">
-                <a16:creationId xmlns:a16="http://schemas.microsoft.com/office/drawing/2014/main" id="{CEEC4F19-7278-0B36-AFC8-F67636C1CF4F}"/>
+                <a16:creationId xmlns:a16="http://schemas.microsoft.com/office/drawing/2014/main" id="{096872C2-2442-57B7-E9E9-F289FC390B46}"/>
               </a:ext>
             </a:extLst>
           </p:cNvPr>
@@ -504,7 +504,7 @@
           <a:bodyPr/>
           <a:lstStyle/>
           <a:p>
-            <a:fld id="{D53B2653-68F8-48F8-9EEC-F0F54061A781}" type="slidenum">
+            <a:fld id="{7D3A4AB5-58A1-4021-A44C-13EF289C5B55}" type="slidenum">
               <a:rPr lang="zh-CN" altLang="en-US" smtClean="0"/>
               <a:t>‹#›</a:t>
             </a:fld>
@@ -515,7 +515,7 @@
     </p:spTree>
     <p:extLst>
       <p:ext uri="{BB962C8B-B14F-4D97-AF65-F5344CB8AC3E}">
-        <p14:creationId xmlns:p14="http://schemas.microsoft.com/office/powerpoint/2010/main" val="2286093774"/>
+        <p14:creationId xmlns:p14="http://schemas.microsoft.com/office/powerpoint/2010/main" val="2594338482"/>
       </p:ext>
     </p:extLst>
   </p:cSld>
@@ -547,7 +547,7 @@
           <p:cNvPr id="2" name="竖排标题 1">
             <a:extLst>
               <a:ext uri="{FF2B5EF4-FFF2-40B4-BE49-F238E27FC236}">
-                <a16:creationId xmlns:a16="http://schemas.microsoft.com/office/drawing/2014/main" id="{9A3241F1-E052-A277-193F-E13FD806193E}"/>
+                <a16:creationId xmlns:a16="http://schemas.microsoft.com/office/drawing/2014/main" id="{301B600E-C48A-1E8C-4A93-F6B805C4666F}"/>
               </a:ext>
             </a:extLst>
           </p:cNvPr>
@@ -580,7 +580,7 @@
           <p:cNvPr id="3" name="竖排文字占位符 2">
             <a:extLst>
               <a:ext uri="{FF2B5EF4-FFF2-40B4-BE49-F238E27FC236}">
-                <a16:creationId xmlns:a16="http://schemas.microsoft.com/office/drawing/2014/main" id="{EBAF435B-4370-E252-C358-E71B26EA4BF1}"/>
+                <a16:creationId xmlns:a16="http://schemas.microsoft.com/office/drawing/2014/main" id="{1E051DA9-6203-52F3-8E28-0F53326CA1ED}"/>
               </a:ext>
             </a:extLst>
           </p:cNvPr>
@@ -642,7 +642,7 @@
           <p:cNvPr id="4" name="日期占位符 3">
             <a:extLst>
               <a:ext uri="{FF2B5EF4-FFF2-40B4-BE49-F238E27FC236}">
-                <a16:creationId xmlns:a16="http://schemas.microsoft.com/office/drawing/2014/main" id="{17202B3E-E6E3-51B3-B121-77D877E61601}"/>
+                <a16:creationId xmlns:a16="http://schemas.microsoft.com/office/drawing/2014/main" id="{ABA4F922-7D2E-7D0D-CAAA-6B2627C82843}"/>
               </a:ext>
             </a:extLst>
           </p:cNvPr>
@@ -658,7 +658,7 @@
           <a:bodyPr/>
           <a:lstStyle/>
           <a:p>
-            <a:fld id="{CAA59D74-C423-4E52-B3BF-1B0348C4C93D}" type="datetimeFigureOut">
+            <a:fld id="{EB30F6B5-42DB-4201-BFB2-21827DC9151D}" type="datetimeFigureOut">
               <a:rPr lang="zh-CN" altLang="en-US" smtClean="0"/>
               <a:t>2024/3/10</a:t>
             </a:fld>
@@ -671,7 +671,7 @@
           <p:cNvPr id="5" name="页脚占位符 4">
             <a:extLst>
               <a:ext uri="{FF2B5EF4-FFF2-40B4-BE49-F238E27FC236}">
-                <a16:creationId xmlns:a16="http://schemas.microsoft.com/office/drawing/2014/main" id="{264D2254-65FE-BCED-8EA5-525EA4820F65}"/>
+                <a16:creationId xmlns:a16="http://schemas.microsoft.com/office/drawing/2014/main" id="{833BF211-59E2-DC76-446C-4EAE1A176853}"/>
               </a:ext>
             </a:extLst>
           </p:cNvPr>
@@ -696,7 +696,7 @@
           <p:cNvPr id="6" name="灯片编号占位符 5">
             <a:extLst>
               <a:ext uri="{FF2B5EF4-FFF2-40B4-BE49-F238E27FC236}">
-                <a16:creationId xmlns:a16="http://schemas.microsoft.com/office/drawing/2014/main" id="{9BC8D1F4-272F-3F90-A8E0-6E2BE0721488}"/>
+                <a16:creationId xmlns:a16="http://schemas.microsoft.com/office/drawing/2014/main" id="{EFF1B570-7AAA-B78C-E0A6-6C0C64FCC307}"/>
               </a:ext>
             </a:extLst>
           </p:cNvPr>
@@ -712,7 +712,7 @@
           <a:bodyPr/>
           <a:lstStyle/>
           <a:p>
-            <a:fld id="{D53B2653-68F8-48F8-9EEC-F0F54061A781}" type="slidenum">
+            <a:fld id="{7D3A4AB5-58A1-4021-A44C-13EF289C5B55}" type="slidenum">
               <a:rPr lang="zh-CN" altLang="en-US" smtClean="0"/>
               <a:t>‹#›</a:t>
             </a:fld>
@@ -723,7 +723,7 @@
     </p:spTree>
     <p:extLst>
       <p:ext uri="{BB962C8B-B14F-4D97-AF65-F5344CB8AC3E}">
-        <p14:creationId xmlns:p14="http://schemas.microsoft.com/office/powerpoint/2010/main" val="296762343"/>
+        <p14:creationId xmlns:p14="http://schemas.microsoft.com/office/powerpoint/2010/main" val="1847883479"/>
       </p:ext>
     </p:extLst>
   </p:cSld>
@@ -755,7 +755,7 @@
           <p:cNvPr id="2" name="标题 1">
             <a:extLst>
               <a:ext uri="{FF2B5EF4-FFF2-40B4-BE49-F238E27FC236}">
-                <a16:creationId xmlns:a16="http://schemas.microsoft.com/office/drawing/2014/main" id="{D6523A4A-0436-BC56-AEA5-C2C87762D1D0}"/>
+                <a16:creationId xmlns:a16="http://schemas.microsoft.com/office/drawing/2014/main" id="{C08B99B2-F7AF-2C55-023F-F5146AFFBA72}"/>
               </a:ext>
             </a:extLst>
           </p:cNvPr>
@@ -783,7 +783,7 @@
           <p:cNvPr id="3" name="内容占位符 2">
             <a:extLst>
               <a:ext uri="{FF2B5EF4-FFF2-40B4-BE49-F238E27FC236}">
-                <a16:creationId xmlns:a16="http://schemas.microsoft.com/office/drawing/2014/main" id="{DAE522EA-C36A-7DF8-8955-AF25A7318482}"/>
+                <a16:creationId xmlns:a16="http://schemas.microsoft.com/office/drawing/2014/main" id="{61A20D6E-F1CB-A638-549D-C0244EA6E4A0}"/>
               </a:ext>
             </a:extLst>
           </p:cNvPr>
@@ -840,7 +840,7 @@
           <p:cNvPr id="4" name="日期占位符 3">
             <a:extLst>
               <a:ext uri="{FF2B5EF4-FFF2-40B4-BE49-F238E27FC236}">
-                <a16:creationId xmlns:a16="http://schemas.microsoft.com/office/drawing/2014/main" id="{D240B4FF-5D8B-5EC2-0370-86B92139C5F1}"/>
+                <a16:creationId xmlns:a16="http://schemas.microsoft.com/office/drawing/2014/main" id="{0D9E606E-3D39-E7E0-EE6B-00285DC05E8D}"/>
               </a:ext>
             </a:extLst>
           </p:cNvPr>
@@ -856,7 +856,7 @@
           <a:bodyPr/>
           <a:lstStyle/>
           <a:p>
-            <a:fld id="{CAA59D74-C423-4E52-B3BF-1B0348C4C93D}" type="datetimeFigureOut">
+            <a:fld id="{EB30F6B5-42DB-4201-BFB2-21827DC9151D}" type="datetimeFigureOut">
               <a:rPr lang="zh-CN" altLang="en-US" smtClean="0"/>
               <a:t>2024/3/10</a:t>
             </a:fld>
@@ -869,7 +869,7 @@
           <p:cNvPr id="5" name="页脚占位符 4">
             <a:extLst>
               <a:ext uri="{FF2B5EF4-FFF2-40B4-BE49-F238E27FC236}">
-                <a16:creationId xmlns:a16="http://schemas.microsoft.com/office/drawing/2014/main" id="{5402BE31-E1B1-3840-2EB7-C6CD85CD7BCD}"/>
+                <a16:creationId xmlns:a16="http://schemas.microsoft.com/office/drawing/2014/main" id="{85236683-3EB2-668B-B106-F5C90B89889E}"/>
               </a:ext>
             </a:extLst>
           </p:cNvPr>
@@ -894,7 +894,7 @@
           <p:cNvPr id="6" name="灯片编号占位符 5">
             <a:extLst>
               <a:ext uri="{FF2B5EF4-FFF2-40B4-BE49-F238E27FC236}">
-                <a16:creationId xmlns:a16="http://schemas.microsoft.com/office/drawing/2014/main" id="{47CE9DDD-8097-E553-ED5F-96280C291B1B}"/>
+                <a16:creationId xmlns:a16="http://schemas.microsoft.com/office/drawing/2014/main" id="{34EB12A3-0A9A-8E3F-78B6-986E7A3120E3}"/>
               </a:ext>
             </a:extLst>
           </p:cNvPr>
@@ -910,7 +910,7 @@
           <a:bodyPr/>
           <a:lstStyle/>
           <a:p>
-            <a:fld id="{D53B2653-68F8-48F8-9EEC-F0F54061A781}" type="slidenum">
+            <a:fld id="{7D3A4AB5-58A1-4021-A44C-13EF289C5B55}" type="slidenum">
               <a:rPr lang="zh-CN" altLang="en-US" smtClean="0"/>
               <a:t>‹#›</a:t>
             </a:fld>
@@ -921,7 +921,7 @@
     </p:spTree>
     <p:extLst>
       <p:ext uri="{BB962C8B-B14F-4D97-AF65-F5344CB8AC3E}">
-        <p14:creationId xmlns:p14="http://schemas.microsoft.com/office/powerpoint/2010/main" val="2892800350"/>
+        <p14:creationId xmlns:p14="http://schemas.microsoft.com/office/powerpoint/2010/main" val="454709309"/>
       </p:ext>
     </p:extLst>
   </p:cSld>
@@ -953,7 +953,7 @@
           <p:cNvPr id="2" name="标题 1">
             <a:extLst>
               <a:ext uri="{FF2B5EF4-FFF2-40B4-BE49-F238E27FC236}">
-                <a16:creationId xmlns:a16="http://schemas.microsoft.com/office/drawing/2014/main" id="{7D5D26E1-CC03-04C0-3FDE-A8A6F77D9B80}"/>
+                <a16:creationId xmlns:a16="http://schemas.microsoft.com/office/drawing/2014/main" id="{9F8B28B2-E683-FACA-EB86-560B77BF517E}"/>
               </a:ext>
             </a:extLst>
           </p:cNvPr>
@@ -990,7 +990,7 @@
           <p:cNvPr id="3" name="文本占位符 2">
             <a:extLst>
               <a:ext uri="{FF2B5EF4-FFF2-40B4-BE49-F238E27FC236}">
-                <a16:creationId xmlns:a16="http://schemas.microsoft.com/office/drawing/2014/main" id="{5FC86063-2781-D94D-87A6-42E041CE544F}"/>
+                <a16:creationId xmlns:a16="http://schemas.microsoft.com/office/drawing/2014/main" id="{BE41F81B-E99D-0A33-9DAC-A91137F90B52}"/>
               </a:ext>
             </a:extLst>
           </p:cNvPr>
@@ -1115,7 +1115,7 @@
           <p:cNvPr id="4" name="日期占位符 3">
             <a:extLst>
               <a:ext uri="{FF2B5EF4-FFF2-40B4-BE49-F238E27FC236}">
-                <a16:creationId xmlns:a16="http://schemas.microsoft.com/office/drawing/2014/main" id="{128EC0F7-090C-CA09-8895-3621895BFDD7}"/>
+                <a16:creationId xmlns:a16="http://schemas.microsoft.com/office/drawing/2014/main" id="{71F52DD6-3361-F3FB-C03A-0F210BF1CE73}"/>
               </a:ext>
             </a:extLst>
           </p:cNvPr>
@@ -1131,7 +1131,7 @@
           <a:bodyPr/>
           <a:lstStyle/>
           <a:p>
-            <a:fld id="{CAA59D74-C423-4E52-B3BF-1B0348C4C93D}" type="datetimeFigureOut">
+            <a:fld id="{EB30F6B5-42DB-4201-BFB2-21827DC9151D}" type="datetimeFigureOut">
               <a:rPr lang="zh-CN" altLang="en-US" smtClean="0"/>
               <a:t>2024/3/10</a:t>
             </a:fld>
@@ -1144,7 +1144,7 @@
           <p:cNvPr id="5" name="页脚占位符 4">
             <a:extLst>
               <a:ext uri="{FF2B5EF4-FFF2-40B4-BE49-F238E27FC236}">
-                <a16:creationId xmlns:a16="http://schemas.microsoft.com/office/drawing/2014/main" id="{74A99740-CFC9-3C37-F862-2565C85A1E36}"/>
+                <a16:creationId xmlns:a16="http://schemas.microsoft.com/office/drawing/2014/main" id="{7C356B03-6248-49F4-DF8D-88812D75D64B}"/>
               </a:ext>
             </a:extLst>
           </p:cNvPr>
@@ -1169,7 +1169,7 @@
           <p:cNvPr id="6" name="灯片编号占位符 5">
             <a:extLst>
               <a:ext uri="{FF2B5EF4-FFF2-40B4-BE49-F238E27FC236}">
-                <a16:creationId xmlns:a16="http://schemas.microsoft.com/office/drawing/2014/main" id="{FB000964-BF0C-A6AD-08B0-733EFC61315D}"/>
+                <a16:creationId xmlns:a16="http://schemas.microsoft.com/office/drawing/2014/main" id="{5DD3212F-F798-BEE6-0B83-FD8A7F55F19E}"/>
               </a:ext>
             </a:extLst>
           </p:cNvPr>
@@ -1185,7 +1185,7 @@
           <a:bodyPr/>
           <a:lstStyle/>
           <a:p>
-            <a:fld id="{D53B2653-68F8-48F8-9EEC-F0F54061A781}" type="slidenum">
+            <a:fld id="{7D3A4AB5-58A1-4021-A44C-13EF289C5B55}" type="slidenum">
               <a:rPr lang="zh-CN" altLang="en-US" smtClean="0"/>
               <a:t>‹#›</a:t>
             </a:fld>
@@ -1196,7 +1196,7 @@
     </p:spTree>
     <p:extLst>
       <p:ext uri="{BB962C8B-B14F-4D97-AF65-F5344CB8AC3E}">
-        <p14:creationId xmlns:p14="http://schemas.microsoft.com/office/powerpoint/2010/main" val="2255655584"/>
+        <p14:creationId xmlns:p14="http://schemas.microsoft.com/office/powerpoint/2010/main" val="4133416977"/>
       </p:ext>
     </p:extLst>
   </p:cSld>
@@ -1228,7 +1228,7 @@
           <p:cNvPr id="2" name="标题 1">
             <a:extLst>
               <a:ext uri="{FF2B5EF4-FFF2-40B4-BE49-F238E27FC236}">
-                <a16:creationId xmlns:a16="http://schemas.microsoft.com/office/drawing/2014/main" id="{2BF6222C-B55E-7EA6-352A-67CA27D5B449}"/>
+                <a16:creationId xmlns:a16="http://schemas.microsoft.com/office/drawing/2014/main" id="{A0125219-C296-DBA9-F807-B1D202540963}"/>
               </a:ext>
             </a:extLst>
           </p:cNvPr>
@@ -1256,7 +1256,7 @@
           <p:cNvPr id="3" name="内容占位符 2">
             <a:extLst>
               <a:ext uri="{FF2B5EF4-FFF2-40B4-BE49-F238E27FC236}">
-                <a16:creationId xmlns:a16="http://schemas.microsoft.com/office/drawing/2014/main" id="{A727D4F1-87F0-3ADB-2FE8-A38C22453F8B}"/>
+                <a16:creationId xmlns:a16="http://schemas.microsoft.com/office/drawing/2014/main" id="{0506F88B-C487-8715-E5F5-8870E539605D}"/>
               </a:ext>
             </a:extLst>
           </p:cNvPr>
@@ -1318,7 +1318,7 @@
           <p:cNvPr id="4" name="内容占位符 3">
             <a:extLst>
               <a:ext uri="{FF2B5EF4-FFF2-40B4-BE49-F238E27FC236}">
-                <a16:creationId xmlns:a16="http://schemas.microsoft.com/office/drawing/2014/main" id="{C91A4178-2615-F836-57D6-5DF92484D5EF}"/>
+                <a16:creationId xmlns:a16="http://schemas.microsoft.com/office/drawing/2014/main" id="{30194C5A-82A4-98B4-0538-E16C7160CCDC}"/>
               </a:ext>
             </a:extLst>
           </p:cNvPr>
@@ -1380,7 +1380,7 @@
           <p:cNvPr id="5" name="日期占位符 4">
             <a:extLst>
               <a:ext uri="{FF2B5EF4-FFF2-40B4-BE49-F238E27FC236}">
-                <a16:creationId xmlns:a16="http://schemas.microsoft.com/office/drawing/2014/main" id="{81B0E48E-1428-07A3-52A5-FEDF41588304}"/>
+                <a16:creationId xmlns:a16="http://schemas.microsoft.com/office/drawing/2014/main" id="{D9080918-8808-85CD-7D76-8E930D578C7C}"/>
               </a:ext>
             </a:extLst>
           </p:cNvPr>
@@ -1396,7 +1396,7 @@
           <a:bodyPr/>
           <a:lstStyle/>
           <a:p>
-            <a:fld id="{CAA59D74-C423-4E52-B3BF-1B0348C4C93D}" type="datetimeFigureOut">
+            <a:fld id="{EB30F6B5-42DB-4201-BFB2-21827DC9151D}" type="datetimeFigureOut">
               <a:rPr lang="zh-CN" altLang="en-US" smtClean="0"/>
               <a:t>2024/3/10</a:t>
             </a:fld>
@@ -1409,7 +1409,7 @@
           <p:cNvPr id="6" name="页脚占位符 5">
             <a:extLst>
               <a:ext uri="{FF2B5EF4-FFF2-40B4-BE49-F238E27FC236}">
-                <a16:creationId xmlns:a16="http://schemas.microsoft.com/office/drawing/2014/main" id="{60BBF5F4-9FB6-29C4-13A3-35D4E658F474}"/>
+                <a16:creationId xmlns:a16="http://schemas.microsoft.com/office/drawing/2014/main" id="{3CB5DD79-877C-0409-62FD-5D60965DFE1A}"/>
               </a:ext>
             </a:extLst>
           </p:cNvPr>
@@ -1434,7 +1434,7 @@
           <p:cNvPr id="7" name="灯片编号占位符 6">
             <a:extLst>
               <a:ext uri="{FF2B5EF4-FFF2-40B4-BE49-F238E27FC236}">
-                <a16:creationId xmlns:a16="http://schemas.microsoft.com/office/drawing/2014/main" id="{5AB22E4D-022A-80F9-7707-1A7B6AB343AC}"/>
+                <a16:creationId xmlns:a16="http://schemas.microsoft.com/office/drawing/2014/main" id="{582DC000-AB57-0AFB-6D37-7E9F96155EC1}"/>
               </a:ext>
             </a:extLst>
           </p:cNvPr>
@@ -1450,7 +1450,7 @@
           <a:bodyPr/>
           <a:lstStyle/>
           <a:p>
-            <a:fld id="{D53B2653-68F8-48F8-9EEC-F0F54061A781}" type="slidenum">
+            <a:fld id="{7D3A4AB5-58A1-4021-A44C-13EF289C5B55}" type="slidenum">
               <a:rPr lang="zh-CN" altLang="en-US" smtClean="0"/>
               <a:t>‹#›</a:t>
             </a:fld>
@@ -1461,7 +1461,7 @@
     </p:spTree>
     <p:extLst>
       <p:ext uri="{BB962C8B-B14F-4D97-AF65-F5344CB8AC3E}">
-        <p14:creationId xmlns:p14="http://schemas.microsoft.com/office/powerpoint/2010/main" val="2186593575"/>
+        <p14:creationId xmlns:p14="http://schemas.microsoft.com/office/powerpoint/2010/main" val="2113177635"/>
       </p:ext>
     </p:extLst>
   </p:cSld>
@@ -1493,7 +1493,7 @@
           <p:cNvPr id="2" name="标题 1">
             <a:extLst>
               <a:ext uri="{FF2B5EF4-FFF2-40B4-BE49-F238E27FC236}">
-                <a16:creationId xmlns:a16="http://schemas.microsoft.com/office/drawing/2014/main" id="{A1230817-FA3A-BF65-A262-1B72C0DC127D}"/>
+                <a16:creationId xmlns:a16="http://schemas.microsoft.com/office/drawing/2014/main" id="{A155A73E-E94E-AB92-2E60-D81FAA4D376A}"/>
               </a:ext>
             </a:extLst>
           </p:cNvPr>
@@ -1526,7 +1526,7 @@
           <p:cNvPr id="3" name="文本占位符 2">
             <a:extLst>
               <a:ext uri="{FF2B5EF4-FFF2-40B4-BE49-F238E27FC236}">
-                <a16:creationId xmlns:a16="http://schemas.microsoft.com/office/drawing/2014/main" id="{641C51C5-1AAD-42D9-A00D-2560E24BCF07}"/>
+                <a16:creationId xmlns:a16="http://schemas.microsoft.com/office/drawing/2014/main" id="{97316274-C5E8-FC57-A95A-CA37C3DCE187}"/>
               </a:ext>
             </a:extLst>
           </p:cNvPr>
@@ -1597,7 +1597,7 @@
           <p:cNvPr id="4" name="内容占位符 3">
             <a:extLst>
               <a:ext uri="{FF2B5EF4-FFF2-40B4-BE49-F238E27FC236}">
-                <a16:creationId xmlns:a16="http://schemas.microsoft.com/office/drawing/2014/main" id="{E864F7F7-EF35-8410-799F-2A91C34C8EB4}"/>
+                <a16:creationId xmlns:a16="http://schemas.microsoft.com/office/drawing/2014/main" id="{BFBE60C8-0F89-C244-B16B-B70CA3FA2889}"/>
               </a:ext>
             </a:extLst>
           </p:cNvPr>
@@ -1659,7 +1659,7 @@
           <p:cNvPr id="5" name="文本占位符 4">
             <a:extLst>
               <a:ext uri="{FF2B5EF4-FFF2-40B4-BE49-F238E27FC236}">
-                <a16:creationId xmlns:a16="http://schemas.microsoft.com/office/drawing/2014/main" id="{160A88A4-C4EB-91FF-C9C2-DDB3CF554542}"/>
+                <a16:creationId xmlns:a16="http://schemas.microsoft.com/office/drawing/2014/main" id="{0D8A00FC-F5B4-0A1A-B6F8-95EA7BF36A55}"/>
               </a:ext>
             </a:extLst>
           </p:cNvPr>
@@ -1730,7 +1730,7 @@
           <p:cNvPr id="6" name="内容占位符 5">
             <a:extLst>
               <a:ext uri="{FF2B5EF4-FFF2-40B4-BE49-F238E27FC236}">
-                <a16:creationId xmlns:a16="http://schemas.microsoft.com/office/drawing/2014/main" id="{D203D243-84D4-11A2-0424-D0EC3267F727}"/>
+                <a16:creationId xmlns:a16="http://schemas.microsoft.com/office/drawing/2014/main" id="{3360843C-BC11-567F-0C98-D3CBEAC74439}"/>
               </a:ext>
             </a:extLst>
           </p:cNvPr>
@@ -1792,7 +1792,7 @@
           <p:cNvPr id="7" name="日期占位符 6">
             <a:extLst>
               <a:ext uri="{FF2B5EF4-FFF2-40B4-BE49-F238E27FC236}">
-                <a16:creationId xmlns:a16="http://schemas.microsoft.com/office/drawing/2014/main" id="{445A1DCD-E5CB-CCBE-C176-5CF69851E13A}"/>
+                <a16:creationId xmlns:a16="http://schemas.microsoft.com/office/drawing/2014/main" id="{2EEA0FCA-14E2-D5E3-5E3F-E030FBDF7807}"/>
               </a:ext>
             </a:extLst>
           </p:cNvPr>
@@ -1808,7 +1808,7 @@
           <a:bodyPr/>
           <a:lstStyle/>
           <a:p>
-            <a:fld id="{CAA59D74-C423-4E52-B3BF-1B0348C4C93D}" type="datetimeFigureOut">
+            <a:fld id="{EB30F6B5-42DB-4201-BFB2-21827DC9151D}" type="datetimeFigureOut">
               <a:rPr lang="zh-CN" altLang="en-US" smtClean="0"/>
               <a:t>2024/3/10</a:t>
             </a:fld>
@@ -1821,7 +1821,7 @@
           <p:cNvPr id="8" name="页脚占位符 7">
             <a:extLst>
               <a:ext uri="{FF2B5EF4-FFF2-40B4-BE49-F238E27FC236}">
-                <a16:creationId xmlns:a16="http://schemas.microsoft.com/office/drawing/2014/main" id="{0013DE92-21D9-A5AD-CBFA-0C6A95416D8A}"/>
+                <a16:creationId xmlns:a16="http://schemas.microsoft.com/office/drawing/2014/main" id="{E5B7F438-6959-0D45-039A-F344F14657F2}"/>
               </a:ext>
             </a:extLst>
           </p:cNvPr>
@@ -1846,7 +1846,7 @@
           <p:cNvPr id="9" name="灯片编号占位符 8">
             <a:extLst>
               <a:ext uri="{FF2B5EF4-FFF2-40B4-BE49-F238E27FC236}">
-                <a16:creationId xmlns:a16="http://schemas.microsoft.com/office/drawing/2014/main" id="{BCDC9CD1-D6C3-B46F-A9D3-99AD2DDB5F7B}"/>
+                <a16:creationId xmlns:a16="http://schemas.microsoft.com/office/drawing/2014/main" id="{21C6778A-1BDD-FD0D-F8FC-FE14BD8A46A4}"/>
               </a:ext>
             </a:extLst>
           </p:cNvPr>
@@ -1862,7 +1862,7 @@
           <a:bodyPr/>
           <a:lstStyle/>
           <a:p>
-            <a:fld id="{D53B2653-68F8-48F8-9EEC-F0F54061A781}" type="slidenum">
+            <a:fld id="{7D3A4AB5-58A1-4021-A44C-13EF289C5B55}" type="slidenum">
               <a:rPr lang="zh-CN" altLang="en-US" smtClean="0"/>
               <a:t>‹#›</a:t>
             </a:fld>
@@ -1873,7 +1873,7 @@
     </p:spTree>
     <p:extLst>
       <p:ext uri="{BB962C8B-B14F-4D97-AF65-F5344CB8AC3E}">
-        <p14:creationId xmlns:p14="http://schemas.microsoft.com/office/powerpoint/2010/main" val="4191298804"/>
+        <p14:creationId xmlns:p14="http://schemas.microsoft.com/office/powerpoint/2010/main" val="4096641055"/>
       </p:ext>
     </p:extLst>
   </p:cSld>
@@ -1905,7 +1905,7 @@
           <p:cNvPr id="2" name="标题 1">
             <a:extLst>
               <a:ext uri="{FF2B5EF4-FFF2-40B4-BE49-F238E27FC236}">
-                <a16:creationId xmlns:a16="http://schemas.microsoft.com/office/drawing/2014/main" id="{DC34A9E1-DA83-48BF-4260-BCD4D1CD7335}"/>
+                <a16:creationId xmlns:a16="http://schemas.microsoft.com/office/drawing/2014/main" id="{FAC2BE47-8E08-607E-BC36-BD7F0C6108FF}"/>
               </a:ext>
             </a:extLst>
           </p:cNvPr>
@@ -1933,7 +1933,7 @@
           <p:cNvPr id="3" name="日期占位符 2">
             <a:extLst>
               <a:ext uri="{FF2B5EF4-FFF2-40B4-BE49-F238E27FC236}">
-                <a16:creationId xmlns:a16="http://schemas.microsoft.com/office/drawing/2014/main" id="{35C915A7-41F1-7C02-637B-4168AFFB2FE6}"/>
+                <a16:creationId xmlns:a16="http://schemas.microsoft.com/office/drawing/2014/main" id="{C8BE0333-F23A-964B-EF2A-E6B8E381657E}"/>
               </a:ext>
             </a:extLst>
           </p:cNvPr>
@@ -1949,7 +1949,7 @@
           <a:bodyPr/>
           <a:lstStyle/>
           <a:p>
-            <a:fld id="{CAA59D74-C423-4E52-B3BF-1B0348C4C93D}" type="datetimeFigureOut">
+            <a:fld id="{EB30F6B5-42DB-4201-BFB2-21827DC9151D}" type="datetimeFigureOut">
               <a:rPr lang="zh-CN" altLang="en-US" smtClean="0"/>
               <a:t>2024/3/10</a:t>
             </a:fld>
@@ -1962,7 +1962,7 @@
           <p:cNvPr id="4" name="页脚占位符 3">
             <a:extLst>
               <a:ext uri="{FF2B5EF4-FFF2-40B4-BE49-F238E27FC236}">
-                <a16:creationId xmlns:a16="http://schemas.microsoft.com/office/drawing/2014/main" id="{FEBC1E0E-01F1-7EE4-6EE0-6660450FCD37}"/>
+                <a16:creationId xmlns:a16="http://schemas.microsoft.com/office/drawing/2014/main" id="{707C5184-EEC0-CC8A-8B5A-AF63E0D7EDC9}"/>
               </a:ext>
             </a:extLst>
           </p:cNvPr>
@@ -1987,7 +1987,7 @@
           <p:cNvPr id="5" name="灯片编号占位符 4">
             <a:extLst>
               <a:ext uri="{FF2B5EF4-FFF2-40B4-BE49-F238E27FC236}">
-                <a16:creationId xmlns:a16="http://schemas.microsoft.com/office/drawing/2014/main" id="{C8970FEE-3E9B-B473-8254-06737C621F85}"/>
+                <a16:creationId xmlns:a16="http://schemas.microsoft.com/office/drawing/2014/main" id="{4E9969AE-FE39-7F90-103F-065822BBA7B9}"/>
               </a:ext>
             </a:extLst>
           </p:cNvPr>
@@ -2003,7 +2003,7 @@
           <a:bodyPr/>
           <a:lstStyle/>
           <a:p>
-            <a:fld id="{D53B2653-68F8-48F8-9EEC-F0F54061A781}" type="slidenum">
+            <a:fld id="{7D3A4AB5-58A1-4021-A44C-13EF289C5B55}" type="slidenum">
               <a:rPr lang="zh-CN" altLang="en-US" smtClean="0"/>
               <a:t>‹#›</a:t>
             </a:fld>
@@ -2014,7 +2014,7 @@
     </p:spTree>
     <p:extLst>
       <p:ext uri="{BB962C8B-B14F-4D97-AF65-F5344CB8AC3E}">
-        <p14:creationId xmlns:p14="http://schemas.microsoft.com/office/powerpoint/2010/main" val="1413964915"/>
+        <p14:creationId xmlns:p14="http://schemas.microsoft.com/office/powerpoint/2010/main" val="3072716201"/>
       </p:ext>
     </p:extLst>
   </p:cSld>
@@ -2046,7 +2046,7 @@
           <p:cNvPr id="2" name="日期占位符 1">
             <a:extLst>
               <a:ext uri="{FF2B5EF4-FFF2-40B4-BE49-F238E27FC236}">
-                <a16:creationId xmlns:a16="http://schemas.microsoft.com/office/drawing/2014/main" id="{F0F541C3-C00A-7A99-309A-35D79663FCFD}"/>
+                <a16:creationId xmlns:a16="http://schemas.microsoft.com/office/drawing/2014/main" id="{06450F7E-4C4A-A709-E8ED-69114904CEF8}"/>
               </a:ext>
             </a:extLst>
           </p:cNvPr>
@@ -2062,7 +2062,7 @@
           <a:bodyPr/>
           <a:lstStyle/>
           <a:p>
-            <a:fld id="{CAA59D74-C423-4E52-B3BF-1B0348C4C93D}" type="datetimeFigureOut">
+            <a:fld id="{EB30F6B5-42DB-4201-BFB2-21827DC9151D}" type="datetimeFigureOut">
               <a:rPr lang="zh-CN" altLang="en-US" smtClean="0"/>
               <a:t>2024/3/10</a:t>
             </a:fld>
@@ -2075,7 +2075,7 @@
           <p:cNvPr id="3" name="页脚占位符 2">
             <a:extLst>
               <a:ext uri="{FF2B5EF4-FFF2-40B4-BE49-F238E27FC236}">
-                <a16:creationId xmlns:a16="http://schemas.microsoft.com/office/drawing/2014/main" id="{C34026D7-41D4-7C01-99E3-7A97777FE46A}"/>
+                <a16:creationId xmlns:a16="http://schemas.microsoft.com/office/drawing/2014/main" id="{E100ADEE-C152-161F-4073-CBFCB5376C79}"/>
               </a:ext>
             </a:extLst>
           </p:cNvPr>
@@ -2100,7 +2100,7 @@
           <p:cNvPr id="4" name="灯片编号占位符 3">
             <a:extLst>
               <a:ext uri="{FF2B5EF4-FFF2-40B4-BE49-F238E27FC236}">
-                <a16:creationId xmlns:a16="http://schemas.microsoft.com/office/drawing/2014/main" id="{4C858EA5-755D-1DC2-6269-89C64D43C7C6}"/>
+                <a16:creationId xmlns:a16="http://schemas.microsoft.com/office/drawing/2014/main" id="{8AB49CC6-4281-1A5F-971B-C0D4A5B4078E}"/>
               </a:ext>
             </a:extLst>
           </p:cNvPr>
@@ -2116,7 +2116,7 @@
           <a:bodyPr/>
           <a:lstStyle/>
           <a:p>
-            <a:fld id="{D53B2653-68F8-48F8-9EEC-F0F54061A781}" type="slidenum">
+            <a:fld id="{7D3A4AB5-58A1-4021-A44C-13EF289C5B55}" type="slidenum">
               <a:rPr lang="zh-CN" altLang="en-US" smtClean="0"/>
               <a:t>‹#›</a:t>
             </a:fld>
@@ -2127,7 +2127,7 @@
     </p:spTree>
     <p:extLst>
       <p:ext uri="{BB962C8B-B14F-4D97-AF65-F5344CB8AC3E}">
-        <p14:creationId xmlns:p14="http://schemas.microsoft.com/office/powerpoint/2010/main" val="3309572611"/>
+        <p14:creationId xmlns:p14="http://schemas.microsoft.com/office/powerpoint/2010/main" val="1084416850"/>
       </p:ext>
     </p:extLst>
   </p:cSld>
@@ -2159,7 +2159,7 @@
           <p:cNvPr id="2" name="标题 1">
             <a:extLst>
               <a:ext uri="{FF2B5EF4-FFF2-40B4-BE49-F238E27FC236}">
-                <a16:creationId xmlns:a16="http://schemas.microsoft.com/office/drawing/2014/main" id="{0DEC855F-4FF9-6E60-CB8A-BCDEB45B44E6}"/>
+                <a16:creationId xmlns:a16="http://schemas.microsoft.com/office/drawing/2014/main" id="{B45A18AB-2CAE-83AF-1441-5014BAA59AA0}"/>
               </a:ext>
             </a:extLst>
           </p:cNvPr>
@@ -2196,7 +2196,7 @@
           <p:cNvPr id="3" name="内容占位符 2">
             <a:extLst>
               <a:ext uri="{FF2B5EF4-FFF2-40B4-BE49-F238E27FC236}">
-                <a16:creationId xmlns:a16="http://schemas.microsoft.com/office/drawing/2014/main" id="{1DACE231-563A-A308-0951-016B1219F688}"/>
+                <a16:creationId xmlns:a16="http://schemas.microsoft.com/office/drawing/2014/main" id="{BBD8BF54-A301-F7DD-BB5B-116FBDD6BFF0}"/>
               </a:ext>
             </a:extLst>
           </p:cNvPr>
@@ -2286,7 +2286,7 @@
           <p:cNvPr id="4" name="文本占位符 3">
             <a:extLst>
               <a:ext uri="{FF2B5EF4-FFF2-40B4-BE49-F238E27FC236}">
-                <a16:creationId xmlns:a16="http://schemas.microsoft.com/office/drawing/2014/main" id="{6481D7E1-E630-E208-2CC6-37956A45E0FE}"/>
+                <a16:creationId xmlns:a16="http://schemas.microsoft.com/office/drawing/2014/main" id="{935FCF1C-AB12-FA37-E02C-F988A250C9EF}"/>
               </a:ext>
             </a:extLst>
           </p:cNvPr>
@@ -2357,7 +2357,7 @@
           <p:cNvPr id="5" name="日期占位符 4">
             <a:extLst>
               <a:ext uri="{FF2B5EF4-FFF2-40B4-BE49-F238E27FC236}">
-                <a16:creationId xmlns:a16="http://schemas.microsoft.com/office/drawing/2014/main" id="{1AB324A8-E79C-DC99-2B1E-56B41B8933F1}"/>
+                <a16:creationId xmlns:a16="http://schemas.microsoft.com/office/drawing/2014/main" id="{CF298594-08D9-6BEA-1B35-AF74C9AF26B9}"/>
               </a:ext>
             </a:extLst>
           </p:cNvPr>
@@ -2373,7 +2373,7 @@
           <a:bodyPr/>
           <a:lstStyle/>
           <a:p>
-            <a:fld id="{CAA59D74-C423-4E52-B3BF-1B0348C4C93D}" type="datetimeFigureOut">
+            <a:fld id="{EB30F6B5-42DB-4201-BFB2-21827DC9151D}" type="datetimeFigureOut">
               <a:rPr lang="zh-CN" altLang="en-US" smtClean="0"/>
               <a:t>2024/3/10</a:t>
             </a:fld>
@@ -2386,7 +2386,7 @@
           <p:cNvPr id="6" name="页脚占位符 5">
             <a:extLst>
               <a:ext uri="{FF2B5EF4-FFF2-40B4-BE49-F238E27FC236}">
-                <a16:creationId xmlns:a16="http://schemas.microsoft.com/office/drawing/2014/main" id="{B00BC933-7A51-1E00-DE4F-5908D9304774}"/>
+                <a16:creationId xmlns:a16="http://schemas.microsoft.com/office/drawing/2014/main" id="{FC878AA5-96DD-2DA9-BE15-EEA0DEED3162}"/>
               </a:ext>
             </a:extLst>
           </p:cNvPr>
@@ -2411,7 +2411,7 @@
           <p:cNvPr id="7" name="灯片编号占位符 6">
             <a:extLst>
               <a:ext uri="{FF2B5EF4-FFF2-40B4-BE49-F238E27FC236}">
-                <a16:creationId xmlns:a16="http://schemas.microsoft.com/office/drawing/2014/main" id="{5CACED19-C9D9-4D23-5B71-353E7CE7D9FE}"/>
+                <a16:creationId xmlns:a16="http://schemas.microsoft.com/office/drawing/2014/main" id="{E0C7B182-9FB0-8B0E-3093-F509018A6CC0}"/>
               </a:ext>
             </a:extLst>
           </p:cNvPr>
@@ -2427,7 +2427,7 @@
           <a:bodyPr/>
           <a:lstStyle/>
           <a:p>
-            <a:fld id="{D53B2653-68F8-48F8-9EEC-F0F54061A781}" type="slidenum">
+            <a:fld id="{7D3A4AB5-58A1-4021-A44C-13EF289C5B55}" type="slidenum">
               <a:rPr lang="zh-CN" altLang="en-US" smtClean="0"/>
               <a:t>‹#›</a:t>
             </a:fld>
@@ -2438,7 +2438,7 @@
     </p:spTree>
     <p:extLst>
       <p:ext uri="{BB962C8B-B14F-4D97-AF65-F5344CB8AC3E}">
-        <p14:creationId xmlns:p14="http://schemas.microsoft.com/office/powerpoint/2010/main" val="3803120357"/>
+        <p14:creationId xmlns:p14="http://schemas.microsoft.com/office/powerpoint/2010/main" val="3777316150"/>
       </p:ext>
     </p:extLst>
   </p:cSld>
@@ -2470,7 +2470,7 @@
           <p:cNvPr id="2" name="标题 1">
             <a:extLst>
               <a:ext uri="{FF2B5EF4-FFF2-40B4-BE49-F238E27FC236}">
-                <a16:creationId xmlns:a16="http://schemas.microsoft.com/office/drawing/2014/main" id="{C4942D66-A550-CB30-7F2E-AB249BAC5B3C}"/>
+                <a16:creationId xmlns:a16="http://schemas.microsoft.com/office/drawing/2014/main" id="{FDF286BD-6555-9AE3-FBF5-B87C84E577A3}"/>
               </a:ext>
             </a:extLst>
           </p:cNvPr>
@@ -2507,7 +2507,7 @@
           <p:cNvPr id="3" name="图片占位符 2">
             <a:extLst>
               <a:ext uri="{FF2B5EF4-FFF2-40B4-BE49-F238E27FC236}">
-                <a16:creationId xmlns:a16="http://schemas.microsoft.com/office/drawing/2014/main" id="{3F65F2FB-BC06-FDE5-EB09-DFB208D4BD08}"/>
+                <a16:creationId xmlns:a16="http://schemas.microsoft.com/office/drawing/2014/main" id="{7B263430-6CA8-E18F-2DE6-DDD12893033C}"/>
               </a:ext>
             </a:extLst>
           </p:cNvPr>
@@ -2574,7 +2574,7 @@
           <p:cNvPr id="4" name="文本占位符 3">
             <a:extLst>
               <a:ext uri="{FF2B5EF4-FFF2-40B4-BE49-F238E27FC236}">
-                <a16:creationId xmlns:a16="http://schemas.microsoft.com/office/drawing/2014/main" id="{EE456C54-5F74-F45A-AF9A-E60ED1417263}"/>
+                <a16:creationId xmlns:a16="http://schemas.microsoft.com/office/drawing/2014/main" id="{02CCBFE4-60D1-5087-C9DA-9AF657213914}"/>
               </a:ext>
             </a:extLst>
           </p:cNvPr>
@@ -2645,7 +2645,7 @@
           <p:cNvPr id="5" name="日期占位符 4">
             <a:extLst>
               <a:ext uri="{FF2B5EF4-FFF2-40B4-BE49-F238E27FC236}">
-                <a16:creationId xmlns:a16="http://schemas.microsoft.com/office/drawing/2014/main" id="{33B08256-71C0-7BA4-CBF8-5402FDABCC75}"/>
+                <a16:creationId xmlns:a16="http://schemas.microsoft.com/office/drawing/2014/main" id="{70CFA87B-7B87-2443-4C93-B32FC9450271}"/>
               </a:ext>
             </a:extLst>
           </p:cNvPr>
@@ -2661,7 +2661,7 @@
           <a:bodyPr/>
           <a:lstStyle/>
           <a:p>
-            <a:fld id="{CAA59D74-C423-4E52-B3BF-1B0348C4C93D}" type="datetimeFigureOut">
+            <a:fld id="{EB30F6B5-42DB-4201-BFB2-21827DC9151D}" type="datetimeFigureOut">
               <a:rPr lang="zh-CN" altLang="en-US" smtClean="0"/>
               <a:t>2024/3/10</a:t>
             </a:fld>
@@ -2674,7 +2674,7 @@
           <p:cNvPr id="6" name="页脚占位符 5">
             <a:extLst>
               <a:ext uri="{FF2B5EF4-FFF2-40B4-BE49-F238E27FC236}">
-                <a16:creationId xmlns:a16="http://schemas.microsoft.com/office/drawing/2014/main" id="{E8C8BF06-A7C3-224C-7994-441C2206EDF5}"/>
+                <a16:creationId xmlns:a16="http://schemas.microsoft.com/office/drawing/2014/main" id="{AC893321-D4E9-1B55-F04D-D2301249DDCD}"/>
               </a:ext>
             </a:extLst>
           </p:cNvPr>
@@ -2699,7 +2699,7 @@
           <p:cNvPr id="7" name="灯片编号占位符 6">
             <a:extLst>
               <a:ext uri="{FF2B5EF4-FFF2-40B4-BE49-F238E27FC236}">
-                <a16:creationId xmlns:a16="http://schemas.microsoft.com/office/drawing/2014/main" id="{26F0A5BE-3D60-9437-3E05-807CC6C5CC81}"/>
+                <a16:creationId xmlns:a16="http://schemas.microsoft.com/office/drawing/2014/main" id="{C3BEB7F2-333B-F905-F4CF-F2B9DE776926}"/>
               </a:ext>
             </a:extLst>
           </p:cNvPr>
@@ -2715,7 +2715,7 @@
           <a:bodyPr/>
           <a:lstStyle/>
           <a:p>
-            <a:fld id="{D53B2653-68F8-48F8-9EEC-F0F54061A781}" type="slidenum">
+            <a:fld id="{7D3A4AB5-58A1-4021-A44C-13EF289C5B55}" type="slidenum">
               <a:rPr lang="zh-CN" altLang="en-US" smtClean="0"/>
               <a:t>‹#›</a:t>
             </a:fld>
@@ -2726,7 +2726,7 @@
     </p:spTree>
     <p:extLst>
       <p:ext uri="{BB962C8B-B14F-4D97-AF65-F5344CB8AC3E}">
-        <p14:creationId xmlns:p14="http://schemas.microsoft.com/office/powerpoint/2010/main" val="3851748032"/>
+        <p14:creationId xmlns:p14="http://schemas.microsoft.com/office/powerpoint/2010/main" val="180760676"/>
       </p:ext>
     </p:extLst>
   </p:cSld>
@@ -2763,7 +2763,7 @@
           <p:cNvPr id="2" name="标题占位符 1">
             <a:extLst>
               <a:ext uri="{FF2B5EF4-FFF2-40B4-BE49-F238E27FC236}">
-                <a16:creationId xmlns:a16="http://schemas.microsoft.com/office/drawing/2014/main" id="{FDCCCB9F-3760-94A1-D065-EA195EF0FCF5}"/>
+                <a16:creationId xmlns:a16="http://schemas.microsoft.com/office/drawing/2014/main" id="{83FE1167-752B-F6A2-6ED9-0552EF71C85A}"/>
               </a:ext>
             </a:extLst>
           </p:cNvPr>
@@ -2801,7 +2801,7 @@
           <p:cNvPr id="3" name="文本占位符 2">
             <a:extLst>
               <a:ext uri="{FF2B5EF4-FFF2-40B4-BE49-F238E27FC236}">
-                <a16:creationId xmlns:a16="http://schemas.microsoft.com/office/drawing/2014/main" id="{728D976B-D573-20A0-C053-54B995D5D634}"/>
+                <a16:creationId xmlns:a16="http://schemas.microsoft.com/office/drawing/2014/main" id="{D4A4DB74-D5B3-1437-F351-F2EC10FECD2B}"/>
               </a:ext>
             </a:extLst>
           </p:cNvPr>
@@ -2868,7 +2868,7 @@
           <p:cNvPr id="4" name="日期占位符 3">
             <a:extLst>
               <a:ext uri="{FF2B5EF4-FFF2-40B4-BE49-F238E27FC236}">
-                <a16:creationId xmlns:a16="http://schemas.microsoft.com/office/drawing/2014/main" id="{E8C2CB3F-9756-D918-D5A1-097593D4CAAD}"/>
+                <a16:creationId xmlns:a16="http://schemas.microsoft.com/office/drawing/2014/main" id="{89944126-F474-958B-E82B-82355CBE7707}"/>
               </a:ext>
             </a:extLst>
           </p:cNvPr>
@@ -2902,7 +2902,7 @@
             </a:lvl1pPr>
           </a:lstStyle>
           <a:p>
-            <a:fld id="{CAA59D74-C423-4E52-B3BF-1B0348C4C93D}" type="datetimeFigureOut">
+            <a:fld id="{EB30F6B5-42DB-4201-BFB2-21827DC9151D}" type="datetimeFigureOut">
               <a:rPr lang="zh-CN" altLang="en-US" smtClean="0"/>
               <a:t>2024/3/10</a:t>
             </a:fld>
@@ -2915,7 +2915,7 @@
           <p:cNvPr id="5" name="页脚占位符 4">
             <a:extLst>
               <a:ext uri="{FF2B5EF4-FFF2-40B4-BE49-F238E27FC236}">
-                <a16:creationId xmlns:a16="http://schemas.microsoft.com/office/drawing/2014/main" id="{96D469B3-9373-5B63-122B-2C5073DAE65A}"/>
+                <a16:creationId xmlns:a16="http://schemas.microsoft.com/office/drawing/2014/main" id="{E14EAB96-7F2B-F299-2328-B9BFFB263AB1}"/>
               </a:ext>
             </a:extLst>
           </p:cNvPr>
@@ -2958,7 +2958,7 @@
           <p:cNvPr id="6" name="灯片编号占位符 5">
             <a:extLst>
               <a:ext uri="{FF2B5EF4-FFF2-40B4-BE49-F238E27FC236}">
-                <a16:creationId xmlns:a16="http://schemas.microsoft.com/office/drawing/2014/main" id="{28ACCFF8-967D-433A-41BC-E6B9CED8D2A9}"/>
+                <a16:creationId xmlns:a16="http://schemas.microsoft.com/office/drawing/2014/main" id="{8F80E25C-33DE-4CBC-8E58-839C20B638DF}"/>
               </a:ext>
             </a:extLst>
           </p:cNvPr>
@@ -2992,7 +2992,7 @@
             </a:lvl1pPr>
           </a:lstStyle>
           <a:p>
-            <a:fld id="{D53B2653-68F8-48F8-9EEC-F0F54061A781}" type="slidenum">
+            <a:fld id="{7D3A4AB5-58A1-4021-A44C-13EF289C5B55}" type="slidenum">
               <a:rPr lang="zh-CN" altLang="en-US" smtClean="0"/>
               <a:t>‹#›</a:t>
             </a:fld>
@@ -3003,7 +3003,7 @@
     </p:spTree>
     <p:extLst>
       <p:ext uri="{BB962C8B-B14F-4D97-AF65-F5344CB8AC3E}">
-        <p14:creationId xmlns:p14="http://schemas.microsoft.com/office/powerpoint/2010/main" val="1597484184"/>
+        <p14:creationId xmlns:p14="http://schemas.microsoft.com/office/powerpoint/2010/main" val="2203054231"/>
       </p:ext>
     </p:extLst>
   </p:cSld>
